--- a/assignment_files/SR1_powerpoint.pptx
+++ b/assignment_files/SR1_powerpoint.pptx
@@ -9,7 +9,10 @@
     <p:sldId id="257" r:id="rId3"/>
     <p:sldId id="258" r:id="rId4"/>
     <p:sldId id="259" r:id="rId5"/>
-    <p:sldId id="260" r:id="rId6"/>
+    <p:sldId id="263" r:id="rId6"/>
+    <p:sldId id="260" r:id="rId7"/>
+    <p:sldId id="261" r:id="rId8"/>
+    <p:sldId id="262" r:id="rId9"/>
   </p:sldIdLst>
   <p:sldSz cx="12192000" cy="6858000"/>
   <p:notesSz cx="6858000" cy="9144000"/>
@@ -108,6 +111,27 @@
       </a:defRPr>
     </a:lvl9pPr>
   </p:defaultTextStyle>
+  <p:extLst>
+    <p:ext uri="{521415D9-36F7-43E2-AB2F-B90AF26B5E84}">
+      <p14:sectionLst xmlns:p14="http://schemas.microsoft.com/office/powerpoint/2010/main">
+        <p14:section name="Default Section" id="{1E437BB4-AF1B-49DA-B503-3C8A2389571A}">
+          <p14:sldIdLst>
+            <p14:sldId id="256"/>
+            <p14:sldId id="257"/>
+            <p14:sldId id="258"/>
+            <p14:sldId id="259"/>
+            <p14:sldId id="263"/>
+            <p14:sldId id="260"/>
+            <p14:sldId id="261"/>
+            <p14:sldId id="262"/>
+          </p14:sldIdLst>
+        </p14:section>
+      </p14:sectionLst>
+    </p:ext>
+    <p:ext uri="{EFAFB233-063F-42B5-8137-9DF3F51BA10A}">
+      <p15:sldGuideLst xmlns:p15="http://schemas.microsoft.com/office/powerpoint/2012/main"/>
+    </p:ext>
+  </p:extLst>
 </p:presentation>
 </file>
 
@@ -580,7 +604,7 @@
           <a:p>
             <a:fld id="{EA0C0817-A112-4847-8014-A94B7D2A4EA3}" type="datetime1">
               <a:rPr lang="en-US" smtClean="0"/>
-              <a:t>2/2/2021</a:t>
+              <a:t>2/3/2021</a:t>
             </a:fld>
             <a:endParaRPr lang="en-US" dirty="0"/>
           </a:p>
@@ -782,7 +806,7 @@
           <a:p>
             <a:fld id="{134F40B7-36AB-4376-BE14-EF7004D79BB9}" type="datetime1">
               <a:rPr lang="en-US" smtClean="0"/>
-              <a:t>2/2/2021</a:t>
+              <a:t>2/3/2021</a:t>
             </a:fld>
             <a:endParaRPr lang="en-US"/>
           </a:p>
@@ -962,7 +986,7 @@
           <a:p>
             <a:fld id="{FF87CAB8-DCAE-46A5-AADA-B3FAD11A54E0}" type="datetime1">
               <a:rPr lang="en-US" smtClean="0"/>
-              <a:t>2/2/2021</a:t>
+              <a:t>2/3/2021</a:t>
             </a:fld>
             <a:endParaRPr lang="en-US"/>
           </a:p>
@@ -1132,7 +1156,7 @@
           <a:p>
             <a:fld id="{7332B432-ACDA-4023-A761-2BAB76577B62}" type="datetime1">
               <a:rPr lang="en-US" smtClean="0"/>
-              <a:t>2/2/2021</a:t>
+              <a:t>2/3/2021</a:t>
             </a:fld>
             <a:endParaRPr lang="en-US"/>
           </a:p>
@@ -1731,7 +1755,7 @@
           <a:p>
             <a:fld id="{D9C646AA-F36E-4540-911D-FFFC0A0EF24A}" type="datetime1">
               <a:rPr lang="en-US" smtClean="0"/>
-              <a:t>2/2/2021</a:t>
+              <a:t>2/3/2021</a:t>
             </a:fld>
             <a:endParaRPr lang="en-US" dirty="0"/>
           </a:p>
@@ -2051,7 +2075,7 @@
           <a:p>
             <a:fld id="{69186D26-FA5F-4637-B602-B7C2DC34CFD4}" type="datetime1">
               <a:rPr lang="en-US" smtClean="0"/>
-              <a:t>2/2/2021</a:t>
+              <a:t>2/3/2021</a:t>
             </a:fld>
             <a:endParaRPr lang="en-US"/>
           </a:p>
@@ -2486,7 +2510,7 @@
           <a:p>
             <a:fld id="{8A7F15D8-96D1-4781-BC50-CA8A088B2FE4}" type="datetime1">
               <a:rPr lang="en-US" smtClean="0"/>
-              <a:t>2/2/2021</a:t>
+              <a:t>2/3/2021</a:t>
             </a:fld>
             <a:endParaRPr lang="en-US"/>
           </a:p>
@@ -2604,7 +2628,7 @@
           <a:p>
             <a:fld id="{F9A96C99-B8F8-4528-BD05-0E16E943DC09}" type="datetime1">
               <a:rPr lang="en-US" smtClean="0"/>
-              <a:t>2/2/2021</a:t>
+              <a:t>2/3/2021</a:t>
             </a:fld>
             <a:endParaRPr lang="en-US"/>
           </a:p>
@@ -2699,7 +2723,7 @@
           <a:p>
             <a:fld id="{03636942-C211-4B28-8DBD-C953E00AF71B}" type="datetime1">
               <a:rPr lang="en-US" smtClean="0"/>
-              <a:t>2/2/2021</a:t>
+              <a:t>2/3/2021</a:t>
             </a:fld>
             <a:endParaRPr lang="en-US"/>
           </a:p>
@@ -3116,7 +3140,7 @@
           <a:p>
             <a:fld id="{7E8D12A6-918A-48BD-8CB9-CA713993B0EA}" type="datetime1">
               <a:rPr lang="en-US" smtClean="0"/>
-              <a:t>2/2/2021</a:t>
+              <a:t>2/3/2021</a:t>
             </a:fld>
             <a:endParaRPr lang="en-US"/>
           </a:p>
@@ -3378,7 +3402,7 @@
             <a:fld id="{E778CE86-875F-4587-BCF6-FA054AFC0D53}" type="datetime1">
               <a:rPr lang="en-US" smtClean="0"/>
               <a:pPr/>
-              <a:t>2/2/2021</a:t>
+              <a:t>2/3/2021</a:t>
             </a:fld>
             <a:endParaRPr lang="en-US" dirty="0"/>
           </a:p>
@@ -3894,7 +3918,7 @@
           <a:p>
             <a:fld id="{F6FA2B21-3FCD-4721-B95C-427943F61125}" type="datetime1">
               <a:rPr lang="en-US" smtClean="0"/>
-              <a:t>2/2/2021</a:t>
+              <a:t>2/3/2021</a:t>
             </a:fld>
             <a:endParaRPr lang="en-US"/>
           </a:p>
@@ -5064,7 +5088,7 @@
           <a:p>
             <a:pPr algn="ctr"/>
             <a:r>
-              <a:rPr lang="en-US" sz="1600" dirty="0">
+              <a:rPr lang="en-US" sz="1200" dirty="0">
                 <a:ln w="0"/>
                 <a:solidFill>
                   <a:schemeClr val="tx1"/>
@@ -5077,9 +5101,9 @@
                   </a:outerShdw>
                 </a:effectLst>
               </a:rPr>
-              <a:t>Multiple Frames</a:t>
-            </a:r>
-            <a:endParaRPr lang="en-US" sz="1600" b="1" dirty="0">
+              <a:t>App Navigation</a:t>
+            </a:r>
+            <a:endParaRPr lang="en-US" sz="1200" b="1" dirty="0">
               <a:ln w="12700">
                 <a:solidFill>
                   <a:schemeClr val="accent2"/>
@@ -5740,7 +5764,7 @@
                   </a:outerShdw>
                 </a:effectLst>
               </a:rPr>
-              <a:t>Barcode Response</a:t>
+              <a:t>Card View</a:t>
             </a:r>
             <a:endParaRPr lang="en-US" sz="1400" b="1" dirty="0">
               <a:ln w="12700">
@@ -6766,7 +6790,7 @@
           <a:lstStyle/>
           <a:p>
             <a:r>
-              <a:rPr lang="en-US" sz="2800" b="1" dirty="0" err="1">
+              <a:rPr lang="en-US" sz="2800" b="1" dirty="0">
                 <a:ln/>
                 <a:pattFill prst="dkUpDiag">
                   <a:fgClr>
@@ -6790,32 +6814,8 @@
                   </a:outerShdw>
                 </a:effectLst>
               </a:rPr>
-              <a:t>Lihn</a:t>
-            </a:r>
-            <a:endParaRPr lang="en-US" sz="2800" b="1" dirty="0">
-              <a:ln/>
-              <a:pattFill prst="dkUpDiag">
-                <a:fgClr>
-                  <a:schemeClr val="bg1">
-                    <a:lumMod val="50000"/>
-                  </a:schemeClr>
-                </a:fgClr>
-                <a:bgClr>
-                  <a:schemeClr val="tx1">
-                    <a:lumMod val="75000"/>
-                    <a:lumOff val="25000"/>
-                  </a:schemeClr>
-                </a:bgClr>
-              </a:pattFill>
-              <a:effectLst>
-                <a:outerShdw blurRad="38100" dist="19050" dir="2700000" algn="tl" rotWithShape="0">
-                  <a:schemeClr val="dk1">
-                    <a:lumMod val="50000"/>
-                    <a:alpha val="40000"/>
-                  </a:schemeClr>
-                </a:outerShdw>
-              </a:effectLst>
-            </a:endParaRPr>
+              <a:t>Linh</a:t>
+            </a:r>
           </a:p>
         </p:txBody>
       </p:sp>
@@ -7114,7 +7114,7 @@
       </p:sp>
       <p:sp>
         <p:nvSpPr>
-          <p:cNvPr id="39" name="Multiple Frames">
+          <p:cNvPr id="39" name="App Navigation">
             <a:extLst>
               <a:ext uri="{FF2B5EF4-FFF2-40B4-BE49-F238E27FC236}">
                 <a16:creationId xmlns:a16="http://schemas.microsoft.com/office/drawing/2014/main" id="{EFF3BCC5-709F-4A53-8FF4-A1541890F289}"/>
@@ -7155,7 +7155,7 @@
           <a:p>
             <a:pPr algn="ctr"/>
             <a:r>
-              <a:rPr lang="en-US" sz="1600" dirty="0">
+              <a:rPr lang="en-US" sz="1200" dirty="0">
                 <a:ln w="0"/>
                 <a:solidFill>
                   <a:schemeClr val="tx1"/>
@@ -7168,9 +7168,9 @@
                   </a:outerShdw>
                 </a:effectLst>
               </a:rPr>
-              <a:t>Multiple Frames</a:t>
-            </a:r>
-            <a:endParaRPr lang="en-US" sz="1600" b="1" dirty="0">
+              <a:t>App Navigation</a:t>
+            </a:r>
+            <a:endParaRPr lang="en-US" sz="1200" b="1" dirty="0">
               <a:ln w="12700">
                 <a:solidFill>
                   <a:schemeClr val="accent2"/>
@@ -7777,7 +7777,7 @@
       </p:sp>
       <p:sp>
         <p:nvSpPr>
-          <p:cNvPr id="48" name="Barcode_responce">
+          <p:cNvPr id="48" name="Card View">
             <a:extLst>
               <a:ext uri="{FF2B5EF4-FFF2-40B4-BE49-F238E27FC236}">
                 <a16:creationId xmlns:a16="http://schemas.microsoft.com/office/drawing/2014/main" id="{F0A98270-784E-4969-B8A9-8A0BDE373DC6}"/>
@@ -7831,7 +7831,7 @@
                   </a:outerShdw>
                 </a:effectLst>
               </a:rPr>
-              <a:t>Barcode Response</a:t>
+              <a:t>Card View</a:t>
             </a:r>
             <a:endParaRPr lang="en-US" sz="1400" b="1" dirty="0">
               <a:ln w="12700">
@@ -7860,6 +7860,14 @@
   <p:clrMapOvr>
     <a:masterClrMapping/>
   </p:clrMapOvr>
+  <mc:AlternateContent xmlns:mc="http://schemas.openxmlformats.org/markup-compatibility/2006" xmlns:p14="http://schemas.microsoft.com/office/powerpoint/2010/main">
+    <mc:Choice Requires="p14">
+      <p:transition spd="slow" p14:dur="2000" advClick="0" advTm="2000"/>
+    </mc:Choice>
+    <mc:Fallback xmlns="">
+      <p:transition spd="slow" advClick="0" advTm="2000"/>
+    </mc:Fallback>
+  </mc:AlternateContent>
   <p:timing>
     <p:tnLst>
       <p:par>
@@ -7872,6 +7880,9 @@
                     <p:cTn id="3" fill="hold">
                       <p:stCondLst>
                         <p:cond delay="indefinite"/>
+                        <p:cond evt="onBegin" delay="0">
+                          <p:tn val="2"/>
+                        </p:cond>
                       </p:stCondLst>
                       <p:childTnLst>
                         <p:par>
@@ -7881,12 +7892,12 @@
                             </p:stCondLst>
                             <p:childTnLst>
                               <p:par>
-                                <p:cTn id="5" presetID="42" presetClass="path" presetSubtype="0" accel="50000" decel="50000" fill="hold" grpId="0" nodeType="clickEffect">
+                                <p:cTn id="5" presetID="42" presetClass="path" presetSubtype="0" accel="50000" decel="50000" fill="hold" grpId="0" nodeType="withEffect">
                                   <p:stCondLst>
                                     <p:cond delay="0"/>
                                   </p:stCondLst>
                                   <p:childTnLst>
-                                    <p:animMotion origin="layout" path="M 4.58333E-6 -1.48148E-6 L 0.53802 -0.18102 " pathEditMode="relative" rAng="0" ptsTypes="AA">
+                                    <p:animMotion origin="layout" path="M 4.58333E-6 -1.48148E-6 L 0.52552 -0.1537 " pathEditMode="relative" rAng="0" ptsTypes="AA">
                                       <p:cBhvr>
                                         <p:cTn id="6" dur="2000" fill="hold"/>
                                         <p:tgtEl>
@@ -7897,7 +7908,7 @@
                                           <p:attrName>ppt_y</p:attrName>
                                         </p:attrNameLst>
                                       </p:cBhvr>
-                                      <p:rCtr x="26901" y="-9051"/>
+                                      <p:rCtr x="26276" y="-7685"/>
                                     </p:animMotion>
                                   </p:childTnLst>
                                 </p:cTn>
@@ -7952,7 +7963,7 @@
                                     <p:cond delay="0"/>
                                   </p:stCondLst>
                                   <p:childTnLst>
-                                    <p:animMotion origin="layout" path="M 4.58333E-6 -4.44444E-6 L 0.43346 -0.32893 " pathEditMode="relative" rAng="0" ptsTypes="AA">
+                                    <p:animMotion origin="layout" path="M 4.58333E-6 -4.44444E-6 L 0.4276 -0.2824 " pathEditMode="relative" rAng="0" ptsTypes="AA">
                                       <p:cBhvr>
                                         <p:cTn id="12" dur="2000" fill="hold"/>
                                         <p:tgtEl>
@@ -7963,7 +7974,7 @@
                                           <p:attrName>ppt_y</p:attrName>
                                         </p:attrNameLst>
                                       </p:cBhvr>
-                                      <p:rCtr x="21667" y="-16458"/>
+                                      <p:rCtr x="21380" y="-14120"/>
                                     </p:animMotion>
                                   </p:childTnLst>
                                 </p:cTn>
@@ -8062,7 +8073,7 @@
                                     <p:cond delay="0"/>
                                   </p:stCondLst>
                                   <p:childTnLst>
-                                    <p:animMotion origin="layout" path="M -1.25E-6 -4.44444E-6 L -0.12422 -0.18703 " pathEditMode="relative" rAng="0" ptsTypes="AA">
+                                    <p:animMotion origin="layout" path="M -1.25E-6 -4.44444E-6 L -0.29805 -0.478 " pathEditMode="relative" rAng="0" ptsTypes="AA">
                                       <p:cBhvr>
                                         <p:cTn id="22" dur="2000" fill="hold"/>
                                         <p:tgtEl>
@@ -8073,7 +8084,7 @@
                                           <p:attrName>ppt_y</p:attrName>
                                         </p:attrNameLst>
                                       </p:cBhvr>
-                                      <p:rCtr x="-6211" y="-9352"/>
+                                      <p:rCtr x="-14909" y="-23912"/>
                                     </p:animMotion>
                                   </p:childTnLst>
                                 </p:cTn>
@@ -8084,7 +8095,7 @@
                                     <p:cond delay="0"/>
                                   </p:stCondLst>
                                   <p:childTnLst>
-                                    <p:animMotion origin="layout" path="M -1.66667E-6 -4.44444E-6 L 0.31198 0.05394 " pathEditMode="relative" rAng="0" ptsTypes="AA">
+                                    <p:animMotion origin="layout" path="M -1.66667E-6 -4.44444E-6 L 0.29154 0.00579 " pathEditMode="relative" rAng="0" ptsTypes="AA">
                                       <p:cBhvr>
                                         <p:cTn id="24" dur="2000" fill="hold"/>
                                         <p:tgtEl>
@@ -8095,7 +8106,7 @@
                                           <p:attrName>ppt_y</p:attrName>
                                         </p:attrNameLst>
                                       </p:cBhvr>
-                                      <p:rCtr x="15599" y="2685"/>
+                                      <p:rCtr x="14570" y="278"/>
                                     </p:animMotion>
                                   </p:childTnLst>
                                 </p:cTn>
@@ -8106,7 +8117,7 @@
                                     <p:cond delay="0"/>
                                   </p:stCondLst>
                                   <p:childTnLst>
-                                    <p:animMotion origin="layout" path="M -1.66667E-6 -1.48148E-6 L 0.21706 0.15324 " pathEditMode="relative" rAng="0" ptsTypes="AA">
+                                    <p:animMotion origin="layout" path="M -1.66667E-6 -1.48148E-6 L 0.19323 0.13519 " pathEditMode="relative" rAng="0" ptsTypes="AA">
                                       <p:cBhvr>
                                         <p:cTn id="26" dur="2000" fill="hold"/>
                                         <p:tgtEl>
@@ -8117,7 +8128,7 @@
                                           <p:attrName>ppt_y</p:attrName>
                                         </p:attrNameLst>
                                       </p:cBhvr>
-                                      <p:rCtr x="10846" y="7662"/>
+                                      <p:rCtr x="9661" y="6759"/>
                                     </p:animMotion>
                                   </p:childTnLst>
                                 </p:cTn>
@@ -8602,7 +8613,7 @@
           <a:lstStyle/>
           <a:p>
             <a:r>
-              <a:rPr lang="en-US" sz="2800" b="1" dirty="0" err="1">
+              <a:rPr lang="en-US" sz="2800" b="1" dirty="0">
                 <a:ln/>
                 <a:pattFill prst="dkUpDiag">
                   <a:fgClr>
@@ -8626,32 +8637,8 @@
                   </a:outerShdw>
                 </a:effectLst>
               </a:rPr>
-              <a:t>Lihn</a:t>
-            </a:r>
-            <a:endParaRPr lang="en-US" sz="2800" b="1" dirty="0">
-              <a:ln/>
-              <a:pattFill prst="dkUpDiag">
-                <a:fgClr>
-                  <a:schemeClr val="bg1">
-                    <a:lumMod val="50000"/>
-                  </a:schemeClr>
-                </a:fgClr>
-                <a:bgClr>
-                  <a:schemeClr val="tx1">
-                    <a:lumMod val="75000"/>
-                    <a:lumOff val="25000"/>
-                  </a:schemeClr>
-                </a:bgClr>
-              </a:pattFill>
-              <a:effectLst>
-                <a:outerShdw blurRad="38100" dist="19050" dir="2700000" algn="tl" rotWithShape="0">
-                  <a:schemeClr val="dk1">
-                    <a:lumMod val="50000"/>
-                    <a:alpha val="40000"/>
-                  </a:schemeClr>
-                </a:outerShdw>
-              </a:effectLst>
-            </a:endParaRPr>
+              <a:t>Linh</a:t>
+            </a:r>
           </a:p>
         </p:txBody>
       </p:sp>
@@ -8809,7 +8796,7 @@
         </p:nvSpPr>
         <p:spPr>
           <a:xfrm>
-            <a:off x="7444944" y="863354"/>
+            <a:off x="7424377" y="1084909"/>
             <a:ext cx="1314727" cy="1282823"/>
           </a:xfrm>
           <a:prstGeom prst="flowChartConnector">
@@ -9037,7 +9024,7 @@
         </p:nvSpPr>
         <p:spPr>
           <a:xfrm>
-            <a:off x="6184318" y="1449481"/>
+            <a:off x="6171448" y="1701981"/>
             <a:ext cx="1314727" cy="1282823"/>
           </a:xfrm>
           <a:prstGeom prst="flowChartConnector">
@@ -9066,7 +9053,7 @@
           <a:p>
             <a:pPr algn="ctr"/>
             <a:r>
-              <a:rPr lang="en-US" sz="1600" dirty="0">
+              <a:rPr lang="en-US" sz="1200" dirty="0">
                 <a:ln w="0"/>
                 <a:solidFill>
                   <a:schemeClr val="tx1"/>
@@ -9079,9 +9066,9 @@
                   </a:outerShdw>
                 </a:effectLst>
               </a:rPr>
-              <a:t>Multiple Frames</a:t>
-            </a:r>
-            <a:endParaRPr lang="en-US" sz="1600" b="1" dirty="0">
+              <a:t>App Navigation</a:t>
+            </a:r>
+            <a:endParaRPr lang="en-US" sz="1200" b="1" dirty="0">
               <a:ln w="12700">
                 <a:solidFill>
                   <a:schemeClr val="accent2"/>
@@ -9187,7 +9174,7 @@
         </p:nvSpPr>
         <p:spPr>
           <a:xfrm>
-            <a:off x="7104314" y="3199478"/>
+            <a:off x="6814337" y="3033483"/>
             <a:ext cx="1314727" cy="1282823"/>
           </a:xfrm>
           <a:prstGeom prst="flowChartConnector">
@@ -9262,7 +9249,7 @@
         </p:nvSpPr>
         <p:spPr>
           <a:xfrm>
-            <a:off x="8245589" y="4061273"/>
+            <a:off x="8014677" y="3674450"/>
             <a:ext cx="1314727" cy="1282823"/>
           </a:xfrm>
           <a:prstGeom prst="flowChartConnector">
@@ -9613,10 +9600,10 @@
       </p:sp>
       <p:sp>
         <p:nvSpPr>
-          <p:cNvPr id="58" name="Barcode_responce">
+          <p:cNvPr id="36" name="Card View">
             <a:extLst>
               <a:ext uri="{FF2B5EF4-FFF2-40B4-BE49-F238E27FC236}">
-                <a16:creationId xmlns:a16="http://schemas.microsoft.com/office/drawing/2014/main" id="{9A133CB5-7606-4593-A759-2A1720609165}"/>
+                <a16:creationId xmlns:a16="http://schemas.microsoft.com/office/drawing/2014/main" id="{1057F94B-7174-4B3E-AA04-97DE61CE62D7}"/>
               </a:ext>
             </a:extLst>
           </p:cNvPr>
@@ -9625,7 +9612,7 @@
         </p:nvSpPr>
         <p:spPr>
           <a:xfrm>
-            <a:off x="8245589" y="2391627"/>
+            <a:off x="6251269" y="387292"/>
             <a:ext cx="1314727" cy="1282823"/>
           </a:xfrm>
           <a:prstGeom prst="flowChartConnector">
@@ -9667,7 +9654,7 @@
                   </a:outerShdw>
                 </a:effectLst>
               </a:rPr>
-              <a:t>Barcode Response</a:t>
+              <a:t>Card View</a:t>
             </a:r>
             <a:endParaRPr lang="en-US" sz="1400" b="1" dirty="0">
               <a:ln w="12700">
@@ -9696,6 +9683,320 @@
   <p:clrMapOvr>
     <a:masterClrMapping/>
   </p:clrMapOvr>
+  <p:timing>
+    <p:tnLst>
+      <p:par>
+        <p:cTn id="1" dur="indefinite" restart="never" nodeType="tmRoot">
+          <p:childTnLst>
+            <p:seq concurrent="1" nextAc="seek">
+              <p:cTn id="2" dur="indefinite" nodeType="mainSeq">
+                <p:childTnLst>
+                  <p:par>
+                    <p:cTn id="3" fill="hold">
+                      <p:stCondLst>
+                        <p:cond delay="indefinite"/>
+                      </p:stCondLst>
+                      <p:childTnLst>
+                        <p:par>
+                          <p:cTn id="4" fill="hold">
+                            <p:stCondLst>
+                              <p:cond delay="0"/>
+                            </p:stCondLst>
+                            <p:childTnLst>
+                              <p:par>
+                                <p:cTn id="5" presetID="24" presetClass="emph" presetSubtype="0" fill="hold" grpId="0" nodeType="clickEffect">
+                                  <p:stCondLst>
+                                    <p:cond delay="0"/>
+                                  </p:stCondLst>
+                                  <p:childTnLst>
+                                    <p:animClr clrSpc="hsl" dir="cw">
+                                      <p:cBhvr override="childStyle">
+                                        <p:cTn id="6" dur="500" fill="hold"/>
+                                        <p:tgtEl>
+                                          <p:spTgt spid="36"/>
+                                        </p:tgtEl>
+                                        <p:attrNameLst>
+                                          <p:attrName>style.color</p:attrName>
+                                        </p:attrNameLst>
+                                      </p:cBhvr>
+                                      <p:by>
+                                        <p:hsl h="0" s="-12549" l="-25098"/>
+                                      </p:by>
+                                    </p:animClr>
+                                    <p:animClr clrSpc="hsl" dir="cw">
+                                      <p:cBhvr>
+                                        <p:cTn id="7" dur="500" fill="hold"/>
+                                        <p:tgtEl>
+                                          <p:spTgt spid="36"/>
+                                        </p:tgtEl>
+                                        <p:attrNameLst>
+                                          <p:attrName>fillcolor</p:attrName>
+                                        </p:attrNameLst>
+                                      </p:cBhvr>
+                                      <p:by>
+                                        <p:hsl h="0" s="-12549" l="-25098"/>
+                                      </p:by>
+                                    </p:animClr>
+                                    <p:animClr clrSpc="hsl" dir="cw">
+                                      <p:cBhvr>
+                                        <p:cTn id="8" dur="500" fill="hold"/>
+                                        <p:tgtEl>
+                                          <p:spTgt spid="36"/>
+                                        </p:tgtEl>
+                                        <p:attrNameLst>
+                                          <p:attrName>stroke.color</p:attrName>
+                                        </p:attrNameLst>
+                                      </p:cBhvr>
+                                      <p:by>
+                                        <p:hsl h="0" s="-12549" l="-25098"/>
+                                      </p:by>
+                                    </p:animClr>
+                                    <p:set>
+                                      <p:cBhvr>
+                                        <p:cTn id="9" dur="500" fill="hold"/>
+                                        <p:tgtEl>
+                                          <p:spTgt spid="36"/>
+                                        </p:tgtEl>
+                                        <p:attrNameLst>
+                                          <p:attrName>fill.type</p:attrName>
+                                        </p:attrNameLst>
+                                      </p:cBhvr>
+                                      <p:to>
+                                        <p:strVal val="solid"/>
+                                      </p:to>
+                                    </p:set>
+                                  </p:childTnLst>
+                                </p:cTn>
+                              </p:par>
+                              <p:par>
+                                <p:cTn id="10" presetID="24" presetClass="emph" presetSubtype="0" fill="hold" grpId="0" nodeType="withEffect">
+                                  <p:stCondLst>
+                                    <p:cond delay="0"/>
+                                  </p:stCondLst>
+                                  <p:childTnLst>
+                                    <p:animClr clrSpc="hsl" dir="cw">
+                                      <p:cBhvr override="childStyle">
+                                        <p:cTn id="11" dur="500" fill="hold"/>
+                                        <p:tgtEl>
+                                          <p:spTgt spid="54"/>
+                                        </p:tgtEl>
+                                        <p:attrNameLst>
+                                          <p:attrName>style.color</p:attrName>
+                                        </p:attrNameLst>
+                                      </p:cBhvr>
+                                      <p:by>
+                                        <p:hsl h="0" s="-12549" l="-25098"/>
+                                      </p:by>
+                                    </p:animClr>
+                                    <p:animClr clrSpc="hsl" dir="cw">
+                                      <p:cBhvr>
+                                        <p:cTn id="12" dur="500" fill="hold"/>
+                                        <p:tgtEl>
+                                          <p:spTgt spid="54"/>
+                                        </p:tgtEl>
+                                        <p:attrNameLst>
+                                          <p:attrName>fillcolor</p:attrName>
+                                        </p:attrNameLst>
+                                      </p:cBhvr>
+                                      <p:by>
+                                        <p:hsl h="0" s="-12549" l="-25098"/>
+                                      </p:by>
+                                    </p:animClr>
+                                    <p:animClr clrSpc="hsl" dir="cw">
+                                      <p:cBhvr>
+                                        <p:cTn id="13" dur="500" fill="hold"/>
+                                        <p:tgtEl>
+                                          <p:spTgt spid="54"/>
+                                        </p:tgtEl>
+                                        <p:attrNameLst>
+                                          <p:attrName>stroke.color</p:attrName>
+                                        </p:attrNameLst>
+                                      </p:cBhvr>
+                                      <p:by>
+                                        <p:hsl h="0" s="-12549" l="-25098"/>
+                                      </p:by>
+                                    </p:animClr>
+                                    <p:set>
+                                      <p:cBhvr>
+                                        <p:cTn id="14" dur="500" fill="hold"/>
+                                        <p:tgtEl>
+                                          <p:spTgt spid="54"/>
+                                        </p:tgtEl>
+                                        <p:attrNameLst>
+                                          <p:attrName>fill.type</p:attrName>
+                                        </p:attrNameLst>
+                                      </p:cBhvr>
+                                      <p:to>
+                                        <p:strVal val="solid"/>
+                                      </p:to>
+                                    </p:set>
+                                  </p:childTnLst>
+                                </p:cTn>
+                              </p:par>
+                              <p:par>
+                                <p:cTn id="15" presetID="24" presetClass="emph" presetSubtype="0" fill="hold" grpId="0" nodeType="withEffect">
+                                  <p:stCondLst>
+                                    <p:cond delay="0"/>
+                                  </p:stCondLst>
+                                  <p:childTnLst>
+                                    <p:animClr clrSpc="hsl" dir="cw">
+                                      <p:cBhvr override="childStyle">
+                                        <p:cTn id="16" dur="500" fill="hold"/>
+                                        <p:tgtEl>
+                                          <p:spTgt spid="51"/>
+                                        </p:tgtEl>
+                                        <p:attrNameLst>
+                                          <p:attrName>style.color</p:attrName>
+                                        </p:attrNameLst>
+                                      </p:cBhvr>
+                                      <p:by>
+                                        <p:hsl h="0" s="-12549" l="-25098"/>
+                                      </p:by>
+                                    </p:animClr>
+                                    <p:animClr clrSpc="hsl" dir="cw">
+                                      <p:cBhvr>
+                                        <p:cTn id="17" dur="500" fill="hold"/>
+                                        <p:tgtEl>
+                                          <p:spTgt spid="51"/>
+                                        </p:tgtEl>
+                                        <p:attrNameLst>
+                                          <p:attrName>fillcolor</p:attrName>
+                                        </p:attrNameLst>
+                                      </p:cBhvr>
+                                      <p:by>
+                                        <p:hsl h="0" s="-12549" l="-25098"/>
+                                      </p:by>
+                                    </p:animClr>
+                                    <p:animClr clrSpc="hsl" dir="cw">
+                                      <p:cBhvr>
+                                        <p:cTn id="18" dur="500" fill="hold"/>
+                                        <p:tgtEl>
+                                          <p:spTgt spid="51"/>
+                                        </p:tgtEl>
+                                        <p:attrNameLst>
+                                          <p:attrName>stroke.color</p:attrName>
+                                        </p:attrNameLst>
+                                      </p:cBhvr>
+                                      <p:by>
+                                        <p:hsl h="0" s="-12549" l="-25098"/>
+                                      </p:by>
+                                    </p:animClr>
+                                    <p:set>
+                                      <p:cBhvr>
+                                        <p:cTn id="19" dur="500" fill="hold"/>
+                                        <p:tgtEl>
+                                          <p:spTgt spid="51"/>
+                                        </p:tgtEl>
+                                        <p:attrNameLst>
+                                          <p:attrName>fill.type</p:attrName>
+                                        </p:attrNameLst>
+                                      </p:cBhvr>
+                                      <p:to>
+                                        <p:strVal val="solid"/>
+                                      </p:to>
+                                    </p:set>
+                                  </p:childTnLst>
+                                </p:cTn>
+                              </p:par>
+                              <p:par>
+                                <p:cTn id="20" presetID="24" presetClass="emph" presetSubtype="0" fill="hold" grpId="0" nodeType="withEffect">
+                                  <p:stCondLst>
+                                    <p:cond delay="0"/>
+                                  </p:stCondLst>
+                                  <p:childTnLst>
+                                    <p:animClr clrSpc="hsl" dir="cw">
+                                      <p:cBhvr override="childStyle">
+                                        <p:cTn id="21" dur="500" fill="hold"/>
+                                        <p:tgtEl>
+                                          <p:spTgt spid="56"/>
+                                        </p:tgtEl>
+                                        <p:attrNameLst>
+                                          <p:attrName>style.color</p:attrName>
+                                        </p:attrNameLst>
+                                      </p:cBhvr>
+                                      <p:by>
+                                        <p:hsl h="0" s="-12549" l="-25098"/>
+                                      </p:by>
+                                    </p:animClr>
+                                    <p:animClr clrSpc="hsl" dir="cw">
+                                      <p:cBhvr>
+                                        <p:cTn id="22" dur="500" fill="hold"/>
+                                        <p:tgtEl>
+                                          <p:spTgt spid="56"/>
+                                        </p:tgtEl>
+                                        <p:attrNameLst>
+                                          <p:attrName>fillcolor</p:attrName>
+                                        </p:attrNameLst>
+                                      </p:cBhvr>
+                                      <p:by>
+                                        <p:hsl h="0" s="-12549" l="-25098"/>
+                                      </p:by>
+                                    </p:animClr>
+                                    <p:animClr clrSpc="hsl" dir="cw">
+                                      <p:cBhvr>
+                                        <p:cTn id="23" dur="500" fill="hold"/>
+                                        <p:tgtEl>
+                                          <p:spTgt spid="56"/>
+                                        </p:tgtEl>
+                                        <p:attrNameLst>
+                                          <p:attrName>stroke.color</p:attrName>
+                                        </p:attrNameLst>
+                                      </p:cBhvr>
+                                      <p:by>
+                                        <p:hsl h="0" s="-12549" l="-25098"/>
+                                      </p:by>
+                                    </p:animClr>
+                                    <p:set>
+                                      <p:cBhvr>
+                                        <p:cTn id="24" dur="500" fill="hold"/>
+                                        <p:tgtEl>
+                                          <p:spTgt spid="56"/>
+                                        </p:tgtEl>
+                                        <p:attrNameLst>
+                                          <p:attrName>fill.type</p:attrName>
+                                        </p:attrNameLst>
+                                      </p:cBhvr>
+                                      <p:to>
+                                        <p:strVal val="solid"/>
+                                      </p:to>
+                                    </p:set>
+                                  </p:childTnLst>
+                                </p:cTn>
+                              </p:par>
+                            </p:childTnLst>
+                          </p:cTn>
+                        </p:par>
+                      </p:childTnLst>
+                    </p:cTn>
+                  </p:par>
+                </p:childTnLst>
+              </p:cTn>
+              <p:prevCondLst>
+                <p:cond evt="onPrev" delay="0">
+                  <p:tgtEl>
+                    <p:sldTgt/>
+                  </p:tgtEl>
+                </p:cond>
+              </p:prevCondLst>
+              <p:nextCondLst>
+                <p:cond evt="onNext" delay="0">
+                  <p:tgtEl>
+                    <p:sldTgt/>
+                  </p:tgtEl>
+                </p:cond>
+              </p:nextCondLst>
+            </p:seq>
+          </p:childTnLst>
+        </p:cTn>
+      </p:par>
+    </p:tnLst>
+    <p:bldLst>
+      <p:bldP spid="51" grpId="0" animBg="1"/>
+      <p:bldP spid="54" grpId="0" animBg="1"/>
+      <p:bldP spid="56" grpId="0" animBg="1"/>
+      <p:bldP spid="36" grpId="0" animBg="1"/>
+    </p:bldLst>
+  </p:timing>
 </p:sld>
 </file>
 
@@ -9721,6 +10022,339 @@
           <p:cNvPr id="2" name="Title 1">
             <a:extLst>
               <a:ext uri="{FF2B5EF4-FFF2-40B4-BE49-F238E27FC236}">
+                <a16:creationId xmlns:a16="http://schemas.microsoft.com/office/drawing/2014/main" id="{05B347D4-F2BB-4DAE-B6C9-B3C41AB1AE0C}"/>
+              </a:ext>
+            </a:extLst>
+          </p:cNvPr>
+          <p:cNvSpPr>
+            <a:spLocks noGrp="1"/>
+          </p:cNvSpPr>
+          <p:nvPr>
+            <p:ph type="title"/>
+          </p:nvPr>
+        </p:nvSpPr>
+        <p:spPr/>
+        <p:txBody>
+          <a:bodyPr/>
+          <a:lstStyle/>
+          <a:p>
+            <a:r>
+              <a:rPr lang="en-US" dirty="0" err="1"/>
+              <a:t>Github</a:t>
+            </a:r>
+            <a:r>
+              <a:rPr lang="en-US" dirty="0"/>
+              <a:t> Commits</a:t>
+            </a:r>
+          </a:p>
+        </p:txBody>
+      </p:sp>
+      <p:graphicFrame>
+        <p:nvGraphicFramePr>
+          <p:cNvPr id="4" name="Table 4">
+            <a:extLst>
+              <a:ext uri="{FF2B5EF4-FFF2-40B4-BE49-F238E27FC236}">
+                <a16:creationId xmlns:a16="http://schemas.microsoft.com/office/drawing/2014/main" id="{3B9F1C2F-4ABD-4931-BF2E-D3D820FA8675}"/>
+              </a:ext>
+            </a:extLst>
+          </p:cNvPr>
+          <p:cNvGraphicFramePr>
+            <a:graphicFrameLocks noGrp="1"/>
+          </p:cNvGraphicFramePr>
+          <p:nvPr>
+            <p:ph idx="1"/>
+            <p:extLst>
+              <p:ext uri="{D42A27DB-BD31-4B8C-83A1-F6EECF244321}">
+                <p14:modId xmlns:p14="http://schemas.microsoft.com/office/powerpoint/2010/main" val="876772345"/>
+              </p:ext>
+            </p:extLst>
+          </p:nvPr>
+        </p:nvGraphicFramePr>
+        <p:xfrm>
+          <a:off x="1066800" y="2103438"/>
+          <a:ext cx="3134139" cy="1483360"/>
+        </p:xfrm>
+        <a:graphic>
+          <a:graphicData uri="http://schemas.openxmlformats.org/drawingml/2006/table">
+            <a:tbl>
+              <a:tblPr firstRow="1" bandRow="1">
+                <a:tableStyleId>{5C22544A-7EE6-4342-B048-85BDC9FD1C3A}</a:tableStyleId>
+              </a:tblPr>
+              <a:tblGrid>
+                <a:gridCol w="1596887">
+                  <a:extLst>
+                    <a:ext uri="{9D8B030D-6E8A-4147-A177-3AD203B41FA5}">
+                      <a16:colId xmlns:a16="http://schemas.microsoft.com/office/drawing/2014/main" val="446438532"/>
+                    </a:ext>
+                  </a:extLst>
+                </a:gridCol>
+                <a:gridCol w="1537252">
+                  <a:extLst>
+                    <a:ext uri="{9D8B030D-6E8A-4147-A177-3AD203B41FA5}">
+                      <a16:colId xmlns:a16="http://schemas.microsoft.com/office/drawing/2014/main" val="2482194859"/>
+                    </a:ext>
+                  </a:extLst>
+                </a:gridCol>
+              </a:tblGrid>
+              <a:tr h="370840">
+                <a:tc>
+                  <a:txBody>
+                    <a:bodyPr/>
+                    <a:lstStyle/>
+                    <a:p>
+                      <a:r>
+                        <a:rPr lang="en-US" dirty="0"/>
+                        <a:t>Object</a:t>
+                      </a:r>
+                    </a:p>
+                  </a:txBody>
+                  <a:tcPr/>
+                </a:tc>
+                <a:tc>
+                  <a:txBody>
+                    <a:bodyPr/>
+                    <a:lstStyle/>
+                    <a:p>
+                      <a:r>
+                        <a:rPr lang="en-US" dirty="0"/>
+                        <a:t>Total</a:t>
+                      </a:r>
+                    </a:p>
+                  </a:txBody>
+                  <a:tcPr/>
+                </a:tc>
+                <a:extLst>
+                  <a:ext uri="{0D108BD9-81ED-4DB2-BD59-A6C34878D82A}">
+                    <a16:rowId xmlns:a16="http://schemas.microsoft.com/office/drawing/2014/main" val="89289869"/>
+                  </a:ext>
+                </a:extLst>
+              </a:tr>
+              <a:tr h="370840">
+                <a:tc>
+                  <a:txBody>
+                    <a:bodyPr/>
+                    <a:lstStyle/>
+                    <a:p>
+                      <a:r>
+                        <a:rPr lang="en-US" dirty="0"/>
+                        <a:t>Commits</a:t>
+                      </a:r>
+                    </a:p>
+                  </a:txBody>
+                  <a:tcPr/>
+                </a:tc>
+                <a:tc>
+                  <a:txBody>
+                    <a:bodyPr/>
+                    <a:lstStyle/>
+                    <a:p>
+                      <a:r>
+                        <a:rPr lang="en-US" dirty="0"/>
+                        <a:t>45</a:t>
+                      </a:r>
+                    </a:p>
+                  </a:txBody>
+                  <a:tcPr/>
+                </a:tc>
+                <a:extLst>
+                  <a:ext uri="{0D108BD9-81ED-4DB2-BD59-A6C34878D82A}">
+                    <a16:rowId xmlns:a16="http://schemas.microsoft.com/office/drawing/2014/main" val="3654784642"/>
+                  </a:ext>
+                </a:extLst>
+              </a:tr>
+              <a:tr h="370840">
+                <a:tc>
+                  <a:txBody>
+                    <a:bodyPr/>
+                    <a:lstStyle/>
+                    <a:p>
+                      <a:r>
+                        <a:rPr lang="en-US" dirty="0"/>
+                        <a:t>Merges</a:t>
+                      </a:r>
+                    </a:p>
+                  </a:txBody>
+                  <a:tcPr/>
+                </a:tc>
+                <a:tc>
+                  <a:txBody>
+                    <a:bodyPr/>
+                    <a:lstStyle/>
+                    <a:p>
+                      <a:r>
+                        <a:rPr lang="en-US" dirty="0"/>
+                        <a:t>2</a:t>
+                      </a:r>
+                    </a:p>
+                  </a:txBody>
+                  <a:tcPr/>
+                </a:tc>
+                <a:extLst>
+                  <a:ext uri="{0D108BD9-81ED-4DB2-BD59-A6C34878D82A}">
+                    <a16:rowId xmlns:a16="http://schemas.microsoft.com/office/drawing/2014/main" val="577562285"/>
+                  </a:ext>
+                </a:extLst>
+              </a:tr>
+              <a:tr h="370840">
+                <a:tc>
+                  <a:txBody>
+                    <a:bodyPr/>
+                    <a:lstStyle/>
+                    <a:p>
+                      <a:r>
+                        <a:rPr lang="en-US" dirty="0"/>
+                        <a:t>Pull requests</a:t>
+                      </a:r>
+                    </a:p>
+                  </a:txBody>
+                  <a:tcPr/>
+                </a:tc>
+                <a:tc>
+                  <a:txBody>
+                    <a:bodyPr/>
+                    <a:lstStyle/>
+                    <a:p>
+                      <a:r>
+                        <a:rPr lang="en-US" dirty="0"/>
+                        <a:t>1</a:t>
+                      </a:r>
+                    </a:p>
+                  </a:txBody>
+                  <a:tcPr/>
+                </a:tc>
+                <a:extLst>
+                  <a:ext uri="{0D108BD9-81ED-4DB2-BD59-A6C34878D82A}">
+                    <a16:rowId xmlns:a16="http://schemas.microsoft.com/office/drawing/2014/main" val="1796790972"/>
+                  </a:ext>
+                </a:extLst>
+              </a:tr>
+            </a:tbl>
+          </a:graphicData>
+        </a:graphic>
+      </p:graphicFrame>
+      <p:sp>
+        <p:nvSpPr>
+          <p:cNvPr id="7" name="TextBox 6">
+            <a:extLst>
+              <a:ext uri="{FF2B5EF4-FFF2-40B4-BE49-F238E27FC236}">
+                <a16:creationId xmlns:a16="http://schemas.microsoft.com/office/drawing/2014/main" id="{7E55CB61-C881-4989-9B4F-F607FD4B2AFC}"/>
+              </a:ext>
+            </a:extLst>
+          </p:cNvPr>
+          <p:cNvSpPr txBox="1"/>
+          <p:nvPr/>
+        </p:nvSpPr>
+        <p:spPr>
+          <a:xfrm>
+            <a:off x="967585" y="3966644"/>
+            <a:ext cx="3896139" cy="1754326"/>
+          </a:xfrm>
+          <a:prstGeom prst="rect">
+            <a:avLst/>
+          </a:prstGeom>
+          <a:noFill/>
+        </p:spPr>
+        <p:txBody>
+          <a:bodyPr wrap="square" rtlCol="0">
+            <a:spAutoFit/>
+          </a:bodyPr>
+          <a:lstStyle/>
+          <a:p>
+            <a:r>
+              <a:rPr lang="en-US" dirty="0">
+                <a:solidFill>
+                  <a:srgbClr val="FF0000"/>
+                </a:solidFill>
+              </a:rPr>
+              <a:t>*** WE SCREWED UP THE CONTRIBUTIONS STATISTICS***</a:t>
+            </a:r>
+          </a:p>
+          <a:p>
+            <a:endParaRPr lang="en-US" dirty="0"/>
+          </a:p>
+          <a:p>
+            <a:r>
+              <a:rPr lang="en-US" dirty="0"/>
+              <a:t>- Everyone Contributed, we squashed commits then pushed rather than opening pull requests.</a:t>
+            </a:r>
+          </a:p>
+        </p:txBody>
+      </p:sp>
+      <p:pic>
+        <p:nvPicPr>
+          <p:cNvPr id="8" name="Picture 7">
+            <a:extLst>
+              <a:ext uri="{FF2B5EF4-FFF2-40B4-BE49-F238E27FC236}">
+                <a16:creationId xmlns:a16="http://schemas.microsoft.com/office/drawing/2014/main" id="{24819409-180A-47DA-B9AB-73B1AF06CC6B}"/>
+              </a:ext>
+            </a:extLst>
+          </p:cNvPr>
+          <p:cNvPicPr/>
+          <p:nvPr/>
+        </p:nvPicPr>
+        <p:blipFill>
+          <a:blip r:embed="rId2"/>
+          <a:stretch>
+            <a:fillRect/>
+          </a:stretch>
+        </p:blipFill>
+        <p:spPr>
+          <a:xfrm>
+            <a:off x="6096000" y="961555"/>
+            <a:ext cx="5327374" cy="4934890"/>
+          </a:xfrm>
+          <a:prstGeom prst="rect">
+            <a:avLst/>
+          </a:prstGeom>
+          <a:ln w="228600" cap="sq" cmpd="thickThin">
+            <a:solidFill>
+              <a:srgbClr val="000000"/>
+            </a:solidFill>
+            <a:prstDash val="solid"/>
+            <a:miter lim="800000"/>
+          </a:ln>
+          <a:effectLst>
+            <a:innerShdw blurRad="76200">
+              <a:srgbClr val="000000"/>
+            </a:innerShdw>
+          </a:effectLst>
+        </p:spPr>
+      </p:pic>
+    </p:spTree>
+    <p:extLst>
+      <p:ext uri="{BB962C8B-B14F-4D97-AF65-F5344CB8AC3E}">
+        <p14:creationId xmlns:p14="http://schemas.microsoft.com/office/powerpoint/2010/main" val="1841845390"/>
+      </p:ext>
+    </p:extLst>
+  </p:cSld>
+  <p:clrMapOvr>
+    <a:masterClrMapping/>
+  </p:clrMapOvr>
+</p:sld>
+</file>
+
+<file path=ppt/slides/slide6.xml><?xml version="1.0" encoding="utf-8"?>
+<p:sld xmlns:a="http://schemas.openxmlformats.org/drawingml/2006/main" xmlns:r="http://schemas.openxmlformats.org/officeDocument/2006/relationships" xmlns:p="http://schemas.openxmlformats.org/presentationml/2006/main">
+  <p:cSld>
+    <p:spTree>
+      <p:nvGrpSpPr>
+        <p:cNvPr id="1" name=""/>
+        <p:cNvGrpSpPr/>
+        <p:nvPr/>
+      </p:nvGrpSpPr>
+      <p:grpSpPr>
+        <a:xfrm>
+          <a:off x="0" y="0"/>
+          <a:ext cx="0" cy="0"/>
+          <a:chOff x="0" y="0"/>
+          <a:chExt cx="0" cy="0"/>
+        </a:xfrm>
+      </p:grpSpPr>
+      <p:sp>
+        <p:nvSpPr>
+          <p:cNvPr id="2" name="Title 1">
+            <a:extLst>
+              <a:ext uri="{FF2B5EF4-FFF2-40B4-BE49-F238E27FC236}">
                 <a16:creationId xmlns:a16="http://schemas.microsoft.com/office/drawing/2014/main" id="{2CA09AF8-E21A-4878-878E-8899C11A64BC}"/>
               </a:ext>
             </a:extLst>
@@ -9739,7 +10373,671 @@
           <a:p>
             <a:r>
               <a:rPr lang="en-US" dirty="0"/>
-              <a:t>Commits &amp; Velocity</a:t>
+              <a:t>Sprint Velocity</a:t>
+            </a:r>
+          </a:p>
+        </p:txBody>
+      </p:sp>
+      <p:graphicFrame>
+        <p:nvGraphicFramePr>
+          <p:cNvPr id="4" name="Table 4">
+            <a:extLst>
+              <a:ext uri="{FF2B5EF4-FFF2-40B4-BE49-F238E27FC236}">
+                <a16:creationId xmlns:a16="http://schemas.microsoft.com/office/drawing/2014/main" id="{6F35ACCF-D565-4E3C-BBBE-265639BDAFAE}"/>
+              </a:ext>
+            </a:extLst>
+          </p:cNvPr>
+          <p:cNvGraphicFramePr>
+            <a:graphicFrameLocks noGrp="1"/>
+          </p:cNvGraphicFramePr>
+          <p:nvPr>
+            <p:ph idx="1"/>
+            <p:extLst>
+              <p:ext uri="{D42A27DB-BD31-4B8C-83A1-F6EECF244321}">
+                <p14:modId xmlns:p14="http://schemas.microsoft.com/office/powerpoint/2010/main" val="167137959"/>
+              </p:ext>
+            </p:extLst>
+          </p:nvPr>
+        </p:nvGraphicFramePr>
+        <p:xfrm>
+          <a:off x="1066800" y="1884019"/>
+          <a:ext cx="10058396" cy="1097280"/>
+        </p:xfrm>
+        <a:graphic>
+          <a:graphicData uri="http://schemas.openxmlformats.org/drawingml/2006/table">
+            <a:tbl>
+              <a:tblPr firstRow="1" bandRow="1">
+                <a:tableStyleId>{5C22544A-7EE6-4342-B048-85BDC9FD1C3A}</a:tableStyleId>
+              </a:tblPr>
+              <a:tblGrid>
+                <a:gridCol w="2514599">
+                  <a:extLst>
+                    <a:ext uri="{9D8B030D-6E8A-4147-A177-3AD203B41FA5}">
+                      <a16:colId xmlns:a16="http://schemas.microsoft.com/office/drawing/2014/main" val="446576903"/>
+                    </a:ext>
+                  </a:extLst>
+                </a:gridCol>
+                <a:gridCol w="2514599">
+                  <a:extLst>
+                    <a:ext uri="{9D8B030D-6E8A-4147-A177-3AD203B41FA5}">
+                      <a16:colId xmlns:a16="http://schemas.microsoft.com/office/drawing/2014/main" val="1045707965"/>
+                    </a:ext>
+                  </a:extLst>
+                </a:gridCol>
+                <a:gridCol w="2514599">
+                  <a:extLst>
+                    <a:ext uri="{9D8B030D-6E8A-4147-A177-3AD203B41FA5}">
+                      <a16:colId xmlns:a16="http://schemas.microsoft.com/office/drawing/2014/main" val="3216282079"/>
+                    </a:ext>
+                  </a:extLst>
+                </a:gridCol>
+                <a:gridCol w="2514599">
+                  <a:extLst>
+                    <a:ext uri="{9D8B030D-6E8A-4147-A177-3AD203B41FA5}">
+                      <a16:colId xmlns:a16="http://schemas.microsoft.com/office/drawing/2014/main" val="1815844672"/>
+                    </a:ext>
+                  </a:extLst>
+                </a:gridCol>
+              </a:tblGrid>
+              <a:tr h="324494">
+                <a:tc>
+                  <a:txBody>
+                    <a:bodyPr/>
+                    <a:lstStyle/>
+                    <a:p>
+                      <a:r>
+                        <a:rPr lang="en-US" dirty="0"/>
+                        <a:t>Estimate</a:t>
+                      </a:r>
+                    </a:p>
+                  </a:txBody>
+                  <a:tcPr/>
+                </a:tc>
+                <a:tc>
+                  <a:txBody>
+                    <a:bodyPr/>
+                    <a:lstStyle/>
+                    <a:p>
+                      <a:r>
+                        <a:rPr lang="en-US" dirty="0"/>
+                        <a:t>User Stories</a:t>
+                      </a:r>
+                    </a:p>
+                  </a:txBody>
+                  <a:tcPr/>
+                </a:tc>
+                <a:tc>
+                  <a:txBody>
+                    <a:bodyPr/>
+                    <a:lstStyle/>
+                    <a:p>
+                      <a:r>
+                        <a:rPr lang="en-US" dirty="0"/>
+                        <a:t>Story Points</a:t>
+                      </a:r>
+                    </a:p>
+                  </a:txBody>
+                  <a:tcPr/>
+                </a:tc>
+                <a:tc>
+                  <a:txBody>
+                    <a:bodyPr/>
+                    <a:lstStyle/>
+                    <a:p>
+                      <a:r>
+                        <a:rPr lang="en-US" dirty="0"/>
+                        <a:t>Velocity (Pts/Sprint)</a:t>
+                      </a:r>
+                    </a:p>
+                  </a:txBody>
+                  <a:tcPr/>
+                </a:tc>
+                <a:extLst>
+                  <a:ext uri="{0D108BD9-81ED-4DB2-BD59-A6C34878D82A}">
+                    <a16:rowId xmlns:a16="http://schemas.microsoft.com/office/drawing/2014/main" val="3418911579"/>
+                  </a:ext>
+                </a:extLst>
+              </a:tr>
+              <a:tr h="324494">
+                <a:tc>
+                  <a:txBody>
+                    <a:bodyPr/>
+                    <a:lstStyle/>
+                    <a:p>
+                      <a:r>
+                        <a:rPr lang="en-US" dirty="0"/>
+                        <a:t>Overall Project</a:t>
+                      </a:r>
+                    </a:p>
+                  </a:txBody>
+                  <a:tcPr/>
+                </a:tc>
+                <a:tc>
+                  <a:txBody>
+                    <a:bodyPr/>
+                    <a:lstStyle/>
+                    <a:p>
+                      <a:r>
+                        <a:rPr lang="en-US" dirty="0"/>
+                        <a:t>28</a:t>
+                      </a:r>
+                    </a:p>
+                  </a:txBody>
+                  <a:tcPr/>
+                </a:tc>
+                <a:tc>
+                  <a:txBody>
+                    <a:bodyPr/>
+                    <a:lstStyle/>
+                    <a:p>
+                      <a:r>
+                        <a:rPr lang="en-US" dirty="0"/>
+                        <a:t>131</a:t>
+                      </a:r>
+                    </a:p>
+                  </a:txBody>
+                  <a:tcPr/>
+                </a:tc>
+                <a:tc>
+                  <a:txBody>
+                    <a:bodyPr/>
+                    <a:lstStyle/>
+                    <a:p>
+                      <a:r>
+                        <a:rPr lang="en-US" dirty="0"/>
+                        <a:t>26.2</a:t>
+                      </a:r>
+                    </a:p>
+                  </a:txBody>
+                  <a:tcPr/>
+                </a:tc>
+                <a:extLst>
+                  <a:ext uri="{0D108BD9-81ED-4DB2-BD59-A6C34878D82A}">
+                    <a16:rowId xmlns:a16="http://schemas.microsoft.com/office/drawing/2014/main" val="4194483510"/>
+                  </a:ext>
+                </a:extLst>
+              </a:tr>
+              <a:tr h="324494">
+                <a:tc>
+                  <a:txBody>
+                    <a:bodyPr/>
+                    <a:lstStyle/>
+                    <a:p>
+                      <a:r>
+                        <a:rPr lang="en-US" dirty="0"/>
+                        <a:t>Sprint 1</a:t>
+                      </a:r>
+                    </a:p>
+                  </a:txBody>
+                  <a:tcPr/>
+                </a:tc>
+                <a:tc>
+                  <a:txBody>
+                    <a:bodyPr/>
+                    <a:lstStyle/>
+                    <a:p>
+                      <a:r>
+                        <a:rPr lang="en-US" dirty="0"/>
+                        <a:t>12</a:t>
+                      </a:r>
+                    </a:p>
+                  </a:txBody>
+                  <a:tcPr/>
+                </a:tc>
+                <a:tc>
+                  <a:txBody>
+                    <a:bodyPr/>
+                    <a:lstStyle/>
+                    <a:p>
+                      <a:r>
+                        <a:rPr lang="en-US" dirty="0"/>
+                        <a:t>36</a:t>
+                      </a:r>
+                    </a:p>
+                  </a:txBody>
+                  <a:tcPr/>
+                </a:tc>
+                <a:tc>
+                  <a:txBody>
+                    <a:bodyPr/>
+                    <a:lstStyle/>
+                    <a:p>
+                      <a:r>
+                        <a:rPr lang="en-US" dirty="0"/>
+                        <a:t>36</a:t>
+                      </a:r>
+                    </a:p>
+                  </a:txBody>
+                  <a:tcPr/>
+                </a:tc>
+                <a:extLst>
+                  <a:ext uri="{0D108BD9-81ED-4DB2-BD59-A6C34878D82A}">
+                    <a16:rowId xmlns:a16="http://schemas.microsoft.com/office/drawing/2014/main" val="919175505"/>
+                  </a:ext>
+                </a:extLst>
+              </a:tr>
+            </a:tbl>
+          </a:graphicData>
+        </a:graphic>
+      </p:graphicFrame>
+      <p:graphicFrame>
+        <p:nvGraphicFramePr>
+          <p:cNvPr id="5" name="Table 5">
+            <a:extLst>
+              <a:ext uri="{FF2B5EF4-FFF2-40B4-BE49-F238E27FC236}">
+                <a16:creationId xmlns:a16="http://schemas.microsoft.com/office/drawing/2014/main" id="{76EFFAA7-AB74-4260-BE52-2747F43BD86E}"/>
+              </a:ext>
+            </a:extLst>
+          </p:cNvPr>
+          <p:cNvGraphicFramePr>
+            <a:graphicFrameLocks noGrp="1"/>
+          </p:cNvGraphicFramePr>
+          <p:nvPr>
+            <p:extLst>
+              <p:ext uri="{D42A27DB-BD31-4B8C-83A1-F6EECF244321}">
+                <p14:modId xmlns:p14="http://schemas.microsoft.com/office/powerpoint/2010/main" val="4230693886"/>
+              </p:ext>
+            </p:extLst>
+          </p:nvPr>
+        </p:nvGraphicFramePr>
+        <p:xfrm>
+          <a:off x="1066800" y="3255619"/>
+          <a:ext cx="10058396" cy="741680"/>
+        </p:xfrm>
+        <a:graphic>
+          <a:graphicData uri="http://schemas.openxmlformats.org/drawingml/2006/table">
+            <a:tbl>
+              <a:tblPr firstRow="1" bandRow="1">
+                <a:tableStyleId>{5C22544A-7EE6-4342-B048-85BDC9FD1C3A}</a:tableStyleId>
+              </a:tblPr>
+              <a:tblGrid>
+                <a:gridCol w="2514599">
+                  <a:extLst>
+                    <a:ext uri="{9D8B030D-6E8A-4147-A177-3AD203B41FA5}">
+                      <a16:colId xmlns:a16="http://schemas.microsoft.com/office/drawing/2014/main" val="2370614022"/>
+                    </a:ext>
+                  </a:extLst>
+                </a:gridCol>
+                <a:gridCol w="2514599">
+                  <a:extLst>
+                    <a:ext uri="{9D8B030D-6E8A-4147-A177-3AD203B41FA5}">
+                      <a16:colId xmlns:a16="http://schemas.microsoft.com/office/drawing/2014/main" val="2273713254"/>
+                    </a:ext>
+                  </a:extLst>
+                </a:gridCol>
+                <a:gridCol w="2514599">
+                  <a:extLst>
+                    <a:ext uri="{9D8B030D-6E8A-4147-A177-3AD203B41FA5}">
+                      <a16:colId xmlns:a16="http://schemas.microsoft.com/office/drawing/2014/main" val="2752061877"/>
+                    </a:ext>
+                  </a:extLst>
+                </a:gridCol>
+                <a:gridCol w="2514599">
+                  <a:extLst>
+                    <a:ext uri="{9D8B030D-6E8A-4147-A177-3AD203B41FA5}">
+                      <a16:colId xmlns:a16="http://schemas.microsoft.com/office/drawing/2014/main" val="755015220"/>
+                    </a:ext>
+                  </a:extLst>
+                </a:gridCol>
+              </a:tblGrid>
+              <a:tr h="370840">
+                <a:tc>
+                  <a:txBody>
+                    <a:bodyPr/>
+                    <a:lstStyle/>
+                    <a:p>
+                      <a:r>
+                        <a:rPr lang="en-US" dirty="0"/>
+                        <a:t>Actual</a:t>
+                      </a:r>
+                    </a:p>
+                  </a:txBody>
+                  <a:tcPr/>
+                </a:tc>
+                <a:tc>
+                  <a:txBody>
+                    <a:bodyPr/>
+                    <a:lstStyle/>
+                    <a:p>
+                      <a:r>
+                        <a:rPr lang="en-US" dirty="0"/>
+                        <a:t>User Stories</a:t>
+                      </a:r>
+                    </a:p>
+                  </a:txBody>
+                  <a:tcPr/>
+                </a:tc>
+                <a:tc>
+                  <a:txBody>
+                    <a:bodyPr/>
+                    <a:lstStyle/>
+                    <a:p>
+                      <a:r>
+                        <a:rPr lang="en-US" dirty="0"/>
+                        <a:t>Story Points</a:t>
+                      </a:r>
+                    </a:p>
+                  </a:txBody>
+                  <a:tcPr/>
+                </a:tc>
+                <a:tc>
+                  <a:txBody>
+                    <a:bodyPr/>
+                    <a:lstStyle/>
+                    <a:p>
+                      <a:r>
+                        <a:rPr lang="en-US" dirty="0"/>
+                        <a:t>Velocity (Pts/Sprint)</a:t>
+                      </a:r>
+                    </a:p>
+                  </a:txBody>
+                  <a:tcPr/>
+                </a:tc>
+                <a:extLst>
+                  <a:ext uri="{0D108BD9-81ED-4DB2-BD59-A6C34878D82A}">
+                    <a16:rowId xmlns:a16="http://schemas.microsoft.com/office/drawing/2014/main" val="802697208"/>
+                  </a:ext>
+                </a:extLst>
+              </a:tr>
+              <a:tr h="370840">
+                <a:tc>
+                  <a:txBody>
+                    <a:bodyPr/>
+                    <a:lstStyle/>
+                    <a:p>
+                      <a:r>
+                        <a:rPr lang="en-US" dirty="0"/>
+                        <a:t>Sprint 1 (Complete)</a:t>
+                      </a:r>
+                    </a:p>
+                  </a:txBody>
+                  <a:tcPr/>
+                </a:tc>
+                <a:tc>
+                  <a:txBody>
+                    <a:bodyPr/>
+                    <a:lstStyle/>
+                    <a:p>
+                      <a:r>
+                        <a:rPr lang="en-US" dirty="0"/>
+                        <a:t>10</a:t>
+                      </a:r>
+                    </a:p>
+                  </a:txBody>
+                  <a:tcPr/>
+                </a:tc>
+                <a:tc>
+                  <a:txBody>
+                    <a:bodyPr/>
+                    <a:lstStyle/>
+                    <a:p>
+                      <a:r>
+                        <a:rPr lang="en-US" dirty="0"/>
+                        <a:t>19</a:t>
+                      </a:r>
+                    </a:p>
+                  </a:txBody>
+                  <a:tcPr/>
+                </a:tc>
+                <a:tc>
+                  <a:txBody>
+                    <a:bodyPr/>
+                    <a:lstStyle/>
+                    <a:p>
+                      <a:r>
+                        <a:rPr lang="en-US" dirty="0"/>
+                        <a:t>19</a:t>
+                      </a:r>
+                    </a:p>
+                  </a:txBody>
+                  <a:tcPr/>
+                </a:tc>
+                <a:extLst>
+                  <a:ext uri="{0D108BD9-81ED-4DB2-BD59-A6C34878D82A}">
+                    <a16:rowId xmlns:a16="http://schemas.microsoft.com/office/drawing/2014/main" val="2390665668"/>
+                  </a:ext>
+                </a:extLst>
+              </a:tr>
+            </a:tbl>
+          </a:graphicData>
+        </a:graphic>
+      </p:graphicFrame>
+      <p:graphicFrame>
+        <p:nvGraphicFramePr>
+          <p:cNvPr id="6" name="Table 5">
+            <a:extLst>
+              <a:ext uri="{FF2B5EF4-FFF2-40B4-BE49-F238E27FC236}">
+                <a16:creationId xmlns:a16="http://schemas.microsoft.com/office/drawing/2014/main" id="{873426CE-5B99-4A89-BB16-A3A34A9F9DBD}"/>
+              </a:ext>
+            </a:extLst>
+          </p:cNvPr>
+          <p:cNvGraphicFramePr>
+            <a:graphicFrameLocks noGrp="1"/>
+          </p:cNvGraphicFramePr>
+          <p:nvPr>
+            <p:extLst>
+              <p:ext uri="{D42A27DB-BD31-4B8C-83A1-F6EECF244321}">
+                <p14:modId xmlns:p14="http://schemas.microsoft.com/office/powerpoint/2010/main" val="2830942526"/>
+              </p:ext>
+            </p:extLst>
+          </p:nvPr>
+        </p:nvGraphicFramePr>
+        <p:xfrm>
+          <a:off x="1066800" y="4256379"/>
+          <a:ext cx="10058396" cy="736600"/>
+        </p:xfrm>
+        <a:graphic>
+          <a:graphicData uri="http://schemas.openxmlformats.org/drawingml/2006/table">
+            <a:tbl>
+              <a:tblPr firstRow="1" bandRow="1">
+                <a:tableStyleId>{5C22544A-7EE6-4342-B048-85BDC9FD1C3A}</a:tableStyleId>
+              </a:tblPr>
+              <a:tblGrid>
+                <a:gridCol w="2514599">
+                  <a:extLst>
+                    <a:ext uri="{9D8B030D-6E8A-4147-A177-3AD203B41FA5}">
+                      <a16:colId xmlns:a16="http://schemas.microsoft.com/office/drawing/2014/main" val="2370614022"/>
+                    </a:ext>
+                  </a:extLst>
+                </a:gridCol>
+                <a:gridCol w="2514599">
+                  <a:extLst>
+                    <a:ext uri="{9D8B030D-6E8A-4147-A177-3AD203B41FA5}">
+                      <a16:colId xmlns:a16="http://schemas.microsoft.com/office/drawing/2014/main" val="2273713254"/>
+                    </a:ext>
+                  </a:extLst>
+                </a:gridCol>
+                <a:gridCol w="2514599">
+                  <a:extLst>
+                    <a:ext uri="{9D8B030D-6E8A-4147-A177-3AD203B41FA5}">
+                      <a16:colId xmlns:a16="http://schemas.microsoft.com/office/drawing/2014/main" val="2752061877"/>
+                    </a:ext>
+                  </a:extLst>
+                </a:gridCol>
+                <a:gridCol w="2514599">
+                  <a:extLst>
+                    <a:ext uri="{9D8B030D-6E8A-4147-A177-3AD203B41FA5}">
+                      <a16:colId xmlns:a16="http://schemas.microsoft.com/office/drawing/2014/main" val="755015220"/>
+                    </a:ext>
+                  </a:extLst>
+                </a:gridCol>
+              </a:tblGrid>
+              <a:tr h="370840">
+                <a:tc>
+                  <a:txBody>
+                    <a:bodyPr/>
+                    <a:lstStyle/>
+                    <a:p>
+                      <a:r>
+                        <a:rPr lang="en-US" dirty="0"/>
+                        <a:t>Adjusted </a:t>
+                      </a:r>
+                    </a:p>
+                  </a:txBody>
+                  <a:tcPr/>
+                </a:tc>
+                <a:tc>
+                  <a:txBody>
+                    <a:bodyPr/>
+                    <a:lstStyle/>
+                    <a:p>
+                      <a:r>
+                        <a:rPr lang="en-US" dirty="0"/>
+                        <a:t>User Stories</a:t>
+                      </a:r>
+                    </a:p>
+                  </a:txBody>
+                  <a:tcPr/>
+                </a:tc>
+                <a:tc>
+                  <a:txBody>
+                    <a:bodyPr/>
+                    <a:lstStyle/>
+                    <a:p>
+                      <a:r>
+                        <a:rPr lang="en-US" dirty="0"/>
+                        <a:t>Story Points</a:t>
+                      </a:r>
+                    </a:p>
+                  </a:txBody>
+                  <a:tcPr/>
+                </a:tc>
+                <a:tc>
+                  <a:txBody>
+                    <a:bodyPr/>
+                    <a:lstStyle/>
+                    <a:p>
+                      <a:r>
+                        <a:rPr lang="en-US" dirty="0"/>
+                        <a:t>Velocity (Pts/Sprint)</a:t>
+                      </a:r>
+                    </a:p>
+                  </a:txBody>
+                  <a:tcPr/>
+                </a:tc>
+                <a:extLst>
+                  <a:ext uri="{0D108BD9-81ED-4DB2-BD59-A6C34878D82A}">
+                    <a16:rowId xmlns:a16="http://schemas.microsoft.com/office/drawing/2014/main" val="802697208"/>
+                  </a:ext>
+                </a:extLst>
+              </a:tr>
+              <a:tr h="252743">
+                <a:tc>
+                  <a:txBody>
+                    <a:bodyPr/>
+                    <a:lstStyle/>
+                    <a:p>
+                      <a:r>
+                        <a:rPr lang="en-US" dirty="0"/>
+                        <a:t>Sprints 2-5</a:t>
+                      </a:r>
+                    </a:p>
+                  </a:txBody>
+                  <a:tcPr/>
+                </a:tc>
+                <a:tc>
+                  <a:txBody>
+                    <a:bodyPr/>
+                    <a:lstStyle/>
+                    <a:p>
+                      <a:r>
+                        <a:rPr lang="en-US" dirty="0"/>
+                        <a:t>18</a:t>
+                      </a:r>
+                    </a:p>
+                  </a:txBody>
+                  <a:tcPr/>
+                </a:tc>
+                <a:tc>
+                  <a:txBody>
+                    <a:bodyPr/>
+                    <a:lstStyle/>
+                    <a:p>
+                      <a:r>
+                        <a:rPr lang="en-US" dirty="0"/>
+                        <a:t>112</a:t>
+                      </a:r>
+                    </a:p>
+                  </a:txBody>
+                  <a:tcPr/>
+                </a:tc>
+                <a:tc>
+                  <a:txBody>
+                    <a:bodyPr/>
+                    <a:lstStyle/>
+                    <a:p>
+                      <a:r>
+                        <a:rPr lang="en-US" dirty="0"/>
+                        <a:t>28</a:t>
+                      </a:r>
+                    </a:p>
+                  </a:txBody>
+                  <a:tcPr/>
+                </a:tc>
+                <a:extLst>
+                  <a:ext uri="{0D108BD9-81ED-4DB2-BD59-A6C34878D82A}">
+                    <a16:rowId xmlns:a16="http://schemas.microsoft.com/office/drawing/2014/main" val="2390665668"/>
+                  </a:ext>
+                </a:extLst>
+              </a:tr>
+            </a:tbl>
+          </a:graphicData>
+        </a:graphic>
+      </p:graphicFrame>
+    </p:spTree>
+    <p:extLst>
+      <p:ext uri="{BB962C8B-B14F-4D97-AF65-F5344CB8AC3E}">
+        <p14:creationId xmlns:p14="http://schemas.microsoft.com/office/powerpoint/2010/main" val="1385785193"/>
+      </p:ext>
+    </p:extLst>
+  </p:cSld>
+  <p:clrMapOvr>
+    <a:masterClrMapping/>
+  </p:clrMapOvr>
+</p:sld>
+</file>
+
+<file path=ppt/slides/slide7.xml><?xml version="1.0" encoding="utf-8"?>
+<p:sld xmlns:a="http://schemas.openxmlformats.org/drawingml/2006/main" xmlns:r="http://schemas.openxmlformats.org/officeDocument/2006/relationships" xmlns:p="http://schemas.openxmlformats.org/presentationml/2006/main">
+  <p:cSld>
+    <p:spTree>
+      <p:nvGrpSpPr>
+        <p:cNvPr id="1" name=""/>
+        <p:cNvGrpSpPr/>
+        <p:nvPr/>
+      </p:nvGrpSpPr>
+      <p:grpSpPr>
+        <a:xfrm>
+          <a:off x="0" y="0"/>
+          <a:ext cx="0" cy="0"/>
+          <a:chOff x="0" y="0"/>
+          <a:chExt cx="0" cy="0"/>
+        </a:xfrm>
+      </p:grpSpPr>
+      <p:sp>
+        <p:nvSpPr>
+          <p:cNvPr id="2" name="Title 1">
+            <a:extLst>
+              <a:ext uri="{FF2B5EF4-FFF2-40B4-BE49-F238E27FC236}">
+                <a16:creationId xmlns:a16="http://schemas.microsoft.com/office/drawing/2014/main" id="{49709B25-7E7C-46FA-B7DF-1482382560BB}"/>
+              </a:ext>
+            </a:extLst>
+          </p:cNvPr>
+          <p:cNvSpPr>
+            <a:spLocks noGrp="1"/>
+          </p:cNvSpPr>
+          <p:nvPr>
+            <p:ph type="title"/>
+          </p:nvPr>
+        </p:nvSpPr>
+        <p:spPr/>
+        <p:txBody>
+          <a:bodyPr/>
+          <a:lstStyle/>
+          <a:p>
+            <a:r>
+              <a:rPr lang="en-US" dirty="0"/>
+              <a:t>What We Learned</a:t>
             </a:r>
           </a:p>
         </p:txBody>
@@ -9749,7 +11047,7 @@
           <p:cNvPr id="3" name="Content Placeholder 2">
             <a:extLst>
               <a:ext uri="{FF2B5EF4-FFF2-40B4-BE49-F238E27FC236}">
-                <a16:creationId xmlns:a16="http://schemas.microsoft.com/office/drawing/2014/main" id="{BA6EE5AE-747B-4D6D-90F4-18C42197788B}"/>
+                <a16:creationId xmlns:a16="http://schemas.microsoft.com/office/drawing/2014/main" id="{D4A032FE-575E-41E6-BD51-59215D90173D}"/>
               </a:ext>
             </a:extLst>
           </p:cNvPr>
@@ -9762,29 +11060,195 @@
         </p:nvSpPr>
         <p:spPr/>
         <p:txBody>
-          <a:bodyPr/>
+          <a:bodyPr>
+            <a:normAutofit/>
+          </a:bodyPr>
           <a:lstStyle/>
           <a:p>
             <a:r>
-              <a:rPr lang="en-US" dirty="0"/>
-              <a:t>Total Number of Stories: 12</a:t>
-            </a:r>
-          </a:p>
-          <a:p>
-            <a:r>
-              <a:rPr lang="en-US" dirty="0"/>
-              <a:t>Total Number of Story Points: 26</a:t>
-            </a:r>
-          </a:p>
-          <a:p>
-            <a:endParaRPr lang="en-US" dirty="0"/>
+              <a:rPr lang="en-US" sz="2800" dirty="0"/>
+              <a:t>Open </a:t>
+            </a:r>
+            <a:r>
+              <a:rPr lang="en-US" sz="2800" b="1" dirty="0"/>
+              <a:t>Pull Request</a:t>
+            </a:r>
+            <a:r>
+              <a:rPr lang="en-US" sz="2800" dirty="0"/>
+              <a:t> instead of squashing</a:t>
+            </a:r>
+          </a:p>
+          <a:p>
+            <a:r>
+              <a:rPr lang="en-US" sz="2800" dirty="0"/>
+              <a:t>We learned about android studio and working with the emulator</a:t>
+            </a:r>
+          </a:p>
+          <a:p>
+            <a:r>
+              <a:rPr lang="en-US" sz="2800" dirty="0"/>
+              <a:t>REST API’s and communication between live servers</a:t>
+            </a:r>
+          </a:p>
+          <a:p>
+            <a:r>
+              <a:rPr lang="en-US" sz="2800" dirty="0"/>
+              <a:t>We learned standups are important</a:t>
+            </a:r>
+          </a:p>
+          <a:p>
+            <a:r>
+              <a:rPr lang="en-US" sz="2800" dirty="0"/>
+              <a:t>Its important that we are on the same page</a:t>
+            </a:r>
+          </a:p>
+          <a:p>
+            <a:endParaRPr lang="en-US" sz="2800" dirty="0"/>
+          </a:p>
+          <a:p>
+            <a:endParaRPr lang="en-US" sz="2800" dirty="0"/>
           </a:p>
         </p:txBody>
       </p:sp>
     </p:spTree>
     <p:extLst>
       <p:ext uri="{BB962C8B-B14F-4D97-AF65-F5344CB8AC3E}">
-        <p14:creationId xmlns:p14="http://schemas.microsoft.com/office/powerpoint/2010/main" val="1385785193"/>
+        <p14:creationId xmlns:p14="http://schemas.microsoft.com/office/powerpoint/2010/main" val="1161457843"/>
+      </p:ext>
+    </p:extLst>
+  </p:cSld>
+  <p:clrMapOvr>
+    <a:masterClrMapping/>
+  </p:clrMapOvr>
+</p:sld>
+</file>
+
+<file path=ppt/slides/slide8.xml><?xml version="1.0" encoding="utf-8"?>
+<p:sld xmlns:a="http://schemas.openxmlformats.org/drawingml/2006/main" xmlns:r="http://schemas.openxmlformats.org/officeDocument/2006/relationships" xmlns:p="http://schemas.openxmlformats.org/presentationml/2006/main">
+  <p:cSld>
+    <p:spTree>
+      <p:nvGrpSpPr>
+        <p:cNvPr id="1" name=""/>
+        <p:cNvGrpSpPr/>
+        <p:nvPr/>
+      </p:nvGrpSpPr>
+      <p:grpSpPr>
+        <a:xfrm>
+          <a:off x="0" y="0"/>
+          <a:ext cx="0" cy="0"/>
+          <a:chOff x="0" y="0"/>
+          <a:chExt cx="0" cy="0"/>
+        </a:xfrm>
+      </p:grpSpPr>
+      <p:sp>
+        <p:nvSpPr>
+          <p:cNvPr id="2" name="Title 1">
+            <a:extLst>
+              <a:ext uri="{FF2B5EF4-FFF2-40B4-BE49-F238E27FC236}">
+                <a16:creationId xmlns:a16="http://schemas.microsoft.com/office/drawing/2014/main" id="{933D7A02-A0BE-4067-B370-4A9BDFBB5383}"/>
+              </a:ext>
+            </a:extLst>
+          </p:cNvPr>
+          <p:cNvSpPr>
+            <a:spLocks noGrp="1"/>
+          </p:cNvSpPr>
+          <p:nvPr>
+            <p:ph type="title"/>
+          </p:nvPr>
+        </p:nvSpPr>
+        <p:spPr/>
+        <p:txBody>
+          <a:bodyPr/>
+          <a:lstStyle/>
+          <a:p>
+            <a:r>
+              <a:rPr lang="en-US" dirty="0"/>
+              <a:t>What we will do next sprint</a:t>
+            </a:r>
+          </a:p>
+        </p:txBody>
+      </p:sp>
+      <p:sp>
+        <p:nvSpPr>
+          <p:cNvPr id="3" name="Content Placeholder 2">
+            <a:extLst>
+              <a:ext uri="{FF2B5EF4-FFF2-40B4-BE49-F238E27FC236}">
+                <a16:creationId xmlns:a16="http://schemas.microsoft.com/office/drawing/2014/main" id="{FE1AA6E6-D12E-4E62-A02A-81087C2420BB}"/>
+              </a:ext>
+            </a:extLst>
+          </p:cNvPr>
+          <p:cNvSpPr>
+            <a:spLocks noGrp="1"/>
+          </p:cNvSpPr>
+          <p:nvPr>
+            <p:ph idx="1"/>
+          </p:nvPr>
+        </p:nvSpPr>
+        <p:spPr/>
+        <p:txBody>
+          <a:bodyPr>
+            <a:normAutofit/>
+          </a:bodyPr>
+          <a:lstStyle/>
+          <a:p>
+            <a:r>
+              <a:rPr lang="en-US" sz="2000" dirty="0"/>
+              <a:t>Implement </a:t>
+            </a:r>
+            <a:r>
+              <a:rPr lang="en-US" sz="2000" dirty="0" err="1"/>
+              <a:t>Github</a:t>
+            </a:r>
+            <a:r>
+              <a:rPr lang="en-US" sz="2000" dirty="0"/>
+              <a:t> actions to automate build and testing of the app before deployment</a:t>
+            </a:r>
+          </a:p>
+          <a:p>
+            <a:r>
+              <a:rPr lang="en-US" sz="2000" dirty="0"/>
+              <a:t>Implement fail safes, custom error codes, and troubleshoot procedures</a:t>
+            </a:r>
+          </a:p>
+          <a:p>
+            <a:r>
+              <a:rPr lang="en-US" sz="2000" dirty="0"/>
+              <a:t>Implement a style to the app</a:t>
+            </a:r>
+          </a:p>
+          <a:p>
+            <a:r>
+              <a:rPr lang="en-US" sz="2000" dirty="0"/>
+              <a:t>Implement a card style visual to the app</a:t>
+            </a:r>
+          </a:p>
+          <a:p>
+            <a:r>
+              <a:rPr lang="en-US" sz="2000" dirty="0"/>
+              <a:t>Input items using barcode scanner</a:t>
+            </a:r>
+          </a:p>
+          <a:p>
+            <a:r>
+              <a:rPr lang="en-US" sz="2000" dirty="0"/>
+              <a:t>Access the camera</a:t>
+            </a:r>
+          </a:p>
+          <a:p>
+            <a:r>
+              <a:rPr lang="en-US" sz="2000" dirty="0"/>
+              <a:t>Be assigned tasks rather than picking your own</a:t>
+            </a:r>
+          </a:p>
+          <a:p>
+            <a:endParaRPr lang="en-US" sz="2000" dirty="0"/>
+          </a:p>
+        </p:txBody>
+      </p:sp>
+    </p:spTree>
+    <p:extLst>
+      <p:ext uri="{BB962C8B-B14F-4D97-AF65-F5344CB8AC3E}">
+        <p14:creationId xmlns:p14="http://schemas.microsoft.com/office/powerpoint/2010/main" val="3848382491"/>
       </p:ext>
     </p:extLst>
   </p:cSld>
